--- a/images/FELCITACIONES.pptx
+++ b/images/FELCITACIONES.pptx
@@ -106,6 +106,11 @@
       </a:defRPr>
     </a:lvl9pPr>
   </p:defaultTextStyle>
+  <p:extLst>
+    <p:ext uri="{EFAFB233-063F-42B5-8137-9DF3F51BA10A}">
+      <p15:sldGuideLst xmlns:p15="http://schemas.microsoft.com/office/powerpoint/2012/main"/>
+    </p:ext>
+  </p:extLst>
 </p:presentation>
 </file>
 
@@ -114,12 +119,12 @@
   <pc:docChgLst>
     <pc:chgData name="Xavier Rafael Rojas" userId="fe6ce519-060c-49c6-98f6-6e40cb0c764e" providerId="ADAL" clId="{78D8964C-DA0F-4B66-BDC6-DD4845DC9DF7}"/>
     <pc:docChg chg="undo custSel addSld modSld">
-      <pc:chgData name="Xavier Rafael Rojas" userId="fe6ce519-060c-49c6-98f6-6e40cb0c764e" providerId="ADAL" clId="{78D8964C-DA0F-4B66-BDC6-DD4845DC9DF7}" dt="2023-04-21T01:30:35.845" v="374" actId="1036"/>
+      <pc:chgData name="Xavier Rafael Rojas" userId="fe6ce519-060c-49c6-98f6-6e40cb0c764e" providerId="ADAL" clId="{78D8964C-DA0F-4B66-BDC6-DD4845DC9DF7}" dt="2023-04-21T12:55:10.755" v="410" actId="14100"/>
       <pc:docMkLst>
         <pc:docMk/>
       </pc:docMkLst>
       <pc:sldChg chg="addSp delSp modSp new mod">
-        <pc:chgData name="Xavier Rafael Rojas" userId="fe6ce519-060c-49c6-98f6-6e40cb0c764e" providerId="ADAL" clId="{78D8964C-DA0F-4B66-BDC6-DD4845DC9DF7}" dt="2023-04-21T01:27:11.152" v="286" actId="1037"/>
+        <pc:chgData name="Xavier Rafael Rojas" userId="fe6ce519-060c-49c6-98f6-6e40cb0c764e" providerId="ADAL" clId="{78D8964C-DA0F-4B66-BDC6-DD4845DC9DF7}" dt="2023-04-21T12:52:00.032" v="391" actId="1076"/>
         <pc:sldMkLst>
           <pc:docMk/>
           <pc:sldMk cId="3470047135" sldId="256"/>
@@ -149,11 +154,43 @@
           </ac:spMkLst>
         </pc:spChg>
         <pc:graphicFrameChg chg="add del mod">
+          <ac:chgData name="Xavier Rafael Rojas" userId="fe6ce519-060c-49c6-98f6-6e40cb0c764e" providerId="ADAL" clId="{78D8964C-DA0F-4B66-BDC6-DD4845DC9DF7}" dt="2023-04-21T12:50:05.486" v="377"/>
+          <ac:graphicFrameMkLst>
+            <pc:docMk/>
+            <pc:sldMk cId="3470047135" sldId="256"/>
+            <ac:graphicFrameMk id="2" creationId="{2FAE9D9C-F60F-82E4-1A9E-FB45FF0EF512}"/>
+          </ac:graphicFrameMkLst>
+        </pc:graphicFrameChg>
+        <pc:graphicFrameChg chg="add del mod">
+          <ac:chgData name="Xavier Rafael Rojas" userId="fe6ce519-060c-49c6-98f6-6e40cb0c764e" providerId="ADAL" clId="{78D8964C-DA0F-4B66-BDC6-DD4845DC9DF7}" dt="2023-04-21T12:50:09.411" v="379"/>
+          <ac:graphicFrameMkLst>
+            <pc:docMk/>
+            <pc:sldMk cId="3470047135" sldId="256"/>
+            <ac:graphicFrameMk id="3" creationId="{7B743C6D-D905-409E-1845-EEDB3AEDE281}"/>
+          </ac:graphicFrameMkLst>
+        </pc:graphicFrameChg>
+        <pc:graphicFrameChg chg="add del mod">
+          <ac:chgData name="Xavier Rafael Rojas" userId="fe6ce519-060c-49c6-98f6-6e40cb0c764e" providerId="ADAL" clId="{78D8964C-DA0F-4B66-BDC6-DD4845DC9DF7}" dt="2023-04-21T12:50:35.320" v="381"/>
+          <ac:graphicFrameMkLst>
+            <pc:docMk/>
+            <pc:sldMk cId="3470047135" sldId="256"/>
+            <ac:graphicFrameMk id="4" creationId="{301CF8BB-62F3-5CA1-2B6B-FF84B016BB8B}"/>
+          </ac:graphicFrameMkLst>
+        </pc:graphicFrameChg>
+        <pc:graphicFrameChg chg="add del mod">
           <ac:chgData name="Xavier Rafael Rojas" userId="fe6ce519-060c-49c6-98f6-6e40cb0c764e" providerId="ADAL" clId="{78D8964C-DA0F-4B66-BDC6-DD4845DC9DF7}" dt="2023-04-21T01:12:26.308" v="6"/>
           <ac:graphicFrameMkLst>
             <pc:docMk/>
             <pc:sldMk cId="3470047135" sldId="256"/>
             <ac:graphicFrameMk id="4" creationId="{AAE6C352-39FA-AA89-4280-903CADB9711E}"/>
+          </ac:graphicFrameMkLst>
+        </pc:graphicFrameChg>
+        <pc:graphicFrameChg chg="add del mod modGraphic">
+          <ac:chgData name="Xavier Rafael Rojas" userId="fe6ce519-060c-49c6-98f6-6e40cb0c764e" providerId="ADAL" clId="{78D8964C-DA0F-4B66-BDC6-DD4845DC9DF7}" dt="2023-04-21T12:51:02.797" v="386" actId="478"/>
+          <ac:graphicFrameMkLst>
+            <pc:docMk/>
+            <pc:sldMk cId="3470047135" sldId="256"/>
+            <ac:graphicFrameMk id="5" creationId="{6B720D4A-C3D2-3FF1-0748-DD2404EEA3FC}"/>
           </ac:graphicFrameMkLst>
         </pc:graphicFrameChg>
         <pc:graphicFrameChg chg="add del mod">
@@ -196,6 +233,14 @@
             <ac:picMk id="5" creationId="{9DC53CEB-4126-41C6-A4E7-F4FE17609053}"/>
           </ac:picMkLst>
         </pc:picChg>
+        <pc:picChg chg="add mod">
+          <ac:chgData name="Xavier Rafael Rojas" userId="fe6ce519-060c-49c6-98f6-6e40cb0c764e" providerId="ADAL" clId="{78D8964C-DA0F-4B66-BDC6-DD4845DC9DF7}" dt="2023-04-21T12:52:00.032" v="391" actId="1076"/>
+          <ac:picMkLst>
+            <pc:docMk/>
+            <pc:sldMk cId="3470047135" sldId="256"/>
+            <ac:picMk id="6" creationId="{6C2E12ED-3B84-C114-6AB3-C540363F87DE}"/>
+          </ac:picMkLst>
+        </pc:picChg>
         <pc:picChg chg="add del mod">
           <ac:chgData name="Xavier Rafael Rojas" userId="fe6ce519-060c-49c6-98f6-6e40cb0c764e" providerId="ADAL" clId="{78D8964C-DA0F-4B66-BDC6-DD4845DC9DF7}" dt="2023-04-21T01:12:48.782" v="8"/>
           <ac:picMkLst>
@@ -236,8 +281,8 @@
             <ac:picMk id="15" creationId="{113CE1C6-8ABB-529C-53AF-FDE2846C2ECD}"/>
           </ac:picMkLst>
         </pc:picChg>
-        <pc:picChg chg="add mod">
-          <ac:chgData name="Xavier Rafael Rojas" userId="fe6ce519-060c-49c6-98f6-6e40cb0c764e" providerId="ADAL" clId="{78D8964C-DA0F-4B66-BDC6-DD4845DC9DF7}" dt="2023-04-21T01:27:01.066" v="227" actId="1440"/>
+        <pc:picChg chg="add del mod">
+          <ac:chgData name="Xavier Rafael Rojas" userId="fe6ce519-060c-49c6-98f6-6e40cb0c764e" providerId="ADAL" clId="{78D8964C-DA0F-4B66-BDC6-DD4845DC9DF7}" dt="2023-04-21T12:50:02.516" v="375" actId="478"/>
           <ac:picMkLst>
             <pc:docMk/>
             <pc:sldMk cId="3470047135" sldId="256"/>
@@ -254,7 +299,7 @@
         </pc:picChg>
       </pc:sldChg>
       <pc:sldChg chg="addSp delSp modSp add mod">
-        <pc:chgData name="Xavier Rafael Rojas" userId="fe6ce519-060c-49c6-98f6-6e40cb0c764e" providerId="ADAL" clId="{78D8964C-DA0F-4B66-BDC6-DD4845DC9DF7}" dt="2023-04-21T01:30:35.845" v="374" actId="1036"/>
+        <pc:chgData name="Xavier Rafael Rojas" userId="fe6ce519-060c-49c6-98f6-6e40cb0c764e" providerId="ADAL" clId="{78D8964C-DA0F-4B66-BDC6-DD4845DC9DF7}" dt="2023-04-21T12:54:20.252" v="404" actId="14100"/>
         <pc:sldMkLst>
           <pc:docMk/>
           <pc:sldMk cId="1076663984" sldId="257"/>
@@ -283,6 +328,14 @@
             <ac:graphicFrameMk id="4" creationId="{6B65727C-58C0-C391-89D5-ADC749884553}"/>
           </ac:graphicFrameMkLst>
         </pc:graphicFrameChg>
+        <pc:picChg chg="add mod">
+          <ac:chgData name="Xavier Rafael Rojas" userId="fe6ce519-060c-49c6-98f6-6e40cb0c764e" providerId="ADAL" clId="{78D8964C-DA0F-4B66-BDC6-DD4845DC9DF7}" dt="2023-04-21T12:54:20.252" v="404" actId="14100"/>
+          <ac:picMkLst>
+            <pc:docMk/>
+            <pc:sldMk cId="1076663984" sldId="257"/>
+            <ac:picMk id="2" creationId="{60946A7E-B466-92B4-263B-07BE76136063}"/>
+          </ac:picMkLst>
+        </pc:picChg>
         <pc:picChg chg="add del mod">
           <ac:chgData name="Xavier Rafael Rojas" userId="fe6ce519-060c-49c6-98f6-6e40cb0c764e" providerId="ADAL" clId="{78D8964C-DA0F-4B66-BDC6-DD4845DC9DF7}" dt="2023-04-21T01:28:41.915" v="289"/>
           <ac:picMkLst>
@@ -291,8 +344,8 @@
             <ac:picMk id="5" creationId="{9DC53CEB-4126-41C6-A4E7-F4FE17609053}"/>
           </ac:picMkLst>
         </pc:picChg>
-        <pc:picChg chg="add mod">
-          <ac:chgData name="Xavier Rafael Rojas" userId="fe6ce519-060c-49c6-98f6-6e40cb0c764e" providerId="ADAL" clId="{78D8964C-DA0F-4B66-BDC6-DD4845DC9DF7}" dt="2023-04-21T01:30:35.845" v="374" actId="1036"/>
+        <pc:picChg chg="add del mod">
+          <ac:chgData name="Xavier Rafael Rojas" userId="fe6ce519-060c-49c6-98f6-6e40cb0c764e" providerId="ADAL" clId="{78D8964C-DA0F-4B66-BDC6-DD4845DC9DF7}" dt="2023-04-21T12:52:01.353" v="392" actId="478"/>
           <ac:picMkLst>
             <pc:docMk/>
             <pc:sldMk cId="1076663984" sldId="257"/>
@@ -301,11 +354,19 @@
         </pc:picChg>
       </pc:sldChg>
       <pc:sldChg chg="addSp delSp modSp add mod">
-        <pc:chgData name="Xavier Rafael Rojas" userId="fe6ce519-060c-49c6-98f6-6e40cb0c764e" providerId="ADAL" clId="{78D8964C-DA0F-4B66-BDC6-DD4845DC9DF7}" dt="2023-04-21T01:30:19.652" v="325" actId="1035"/>
+        <pc:chgData name="Xavier Rafael Rojas" userId="fe6ce519-060c-49c6-98f6-6e40cb0c764e" providerId="ADAL" clId="{78D8964C-DA0F-4B66-BDC6-DD4845DC9DF7}" dt="2023-04-21T12:55:10.755" v="410" actId="14100"/>
         <pc:sldMkLst>
           <pc:docMk/>
           <pc:sldMk cId="3547895905" sldId="258"/>
         </pc:sldMkLst>
+        <pc:graphicFrameChg chg="add del mod">
+          <ac:chgData name="Xavier Rafael Rojas" userId="fe6ce519-060c-49c6-98f6-6e40cb0c764e" providerId="ADAL" clId="{78D8964C-DA0F-4B66-BDC6-DD4845DC9DF7}" dt="2023-04-21T12:52:08.922" v="395"/>
+          <ac:graphicFrameMkLst>
+            <pc:docMk/>
+            <pc:sldMk cId="3547895905" sldId="258"/>
+            <ac:graphicFrameMk id="2" creationId="{2974A06D-B64F-3DCE-8A46-FB8F7F5C3348}"/>
+          </ac:graphicFrameMkLst>
+        </pc:graphicFrameChg>
         <pc:graphicFrameChg chg="add del mod">
           <ac:chgData name="Xavier Rafael Rojas" userId="fe6ce519-060c-49c6-98f6-6e40cb0c764e" providerId="ADAL" clId="{78D8964C-DA0F-4B66-BDC6-DD4845DC9DF7}" dt="2023-04-21T01:29:43.061" v="297"/>
           <ac:graphicFrameMkLst>
@@ -322,12 +383,28 @@
             <ac:picMk id="3" creationId="{9DC53CEB-4126-41C6-A4E7-F4FE17609053}"/>
           </ac:picMkLst>
         </pc:picChg>
-        <pc:picChg chg="add mod">
-          <ac:chgData name="Xavier Rafael Rojas" userId="fe6ce519-060c-49c6-98f6-6e40cb0c764e" providerId="ADAL" clId="{78D8964C-DA0F-4B66-BDC6-DD4845DC9DF7}" dt="2023-04-21T01:30:19.652" v="325" actId="1035"/>
+        <pc:picChg chg="add del mod">
+          <ac:chgData name="Xavier Rafael Rojas" userId="fe6ce519-060c-49c6-98f6-6e40cb0c764e" providerId="ADAL" clId="{78D8964C-DA0F-4B66-BDC6-DD4845DC9DF7}" dt="2023-04-21T12:52:13.377" v="399"/>
+          <ac:picMkLst>
+            <pc:docMk/>
+            <pc:sldMk cId="3547895905" sldId="258"/>
+            <ac:picMk id="3" creationId="{B5B15A94-8717-0E4C-FD31-57420A756128}"/>
+          </ac:picMkLst>
+        </pc:picChg>
+        <pc:picChg chg="add del mod">
+          <ac:chgData name="Xavier Rafael Rojas" userId="fe6ce519-060c-49c6-98f6-6e40cb0c764e" providerId="ADAL" clId="{78D8964C-DA0F-4B66-BDC6-DD4845DC9DF7}" dt="2023-04-21T12:52:02.777" v="393" actId="478"/>
           <ac:picMkLst>
             <pc:docMk/>
             <pc:sldMk cId="3547895905" sldId="258"/>
             <ac:picMk id="4" creationId="{0945336E-737B-6177-0296-F2AF03F0485D}"/>
+          </ac:picMkLst>
+        </pc:picChg>
+        <pc:picChg chg="add mod">
+          <ac:chgData name="Xavier Rafael Rojas" userId="fe6ce519-060c-49c6-98f6-6e40cb0c764e" providerId="ADAL" clId="{78D8964C-DA0F-4B66-BDC6-DD4845DC9DF7}" dt="2023-04-21T12:55:10.755" v="410" actId="14100"/>
+          <ac:picMkLst>
+            <pc:docMk/>
+            <pc:sldMk cId="3547895905" sldId="258"/>
+            <ac:picMk id="5" creationId="{289CC638-756B-7C2B-5C76-EC70844EE65C}"/>
           </ac:picMkLst>
         </pc:picChg>
       </pc:sldChg>
@@ -1081,7 +1158,7 @@
           <a:p>
             <a:fld id="{27584ACA-5F00-4545-A9F4-A7AB2BF4973D}" type="datetimeFigureOut">
               <a:rPr lang="es-CO" smtClean="0"/>
-              <a:t>20/04/2023</a:t>
+              <a:t>21/04/2023</a:t>
             </a:fld>
             <a:endParaRPr lang="es-CO"/>
           </a:p>
@@ -1332,7 +1409,7 @@
           <a:p>
             <a:fld id="{27584ACA-5F00-4545-A9F4-A7AB2BF4973D}" type="datetimeFigureOut">
               <a:rPr lang="es-CO" smtClean="0"/>
-              <a:t>20/04/2023</a:t>
+              <a:t>21/04/2023</a:t>
             </a:fld>
             <a:endParaRPr lang="es-CO"/>
           </a:p>
@@ -1646,7 +1723,7 @@
           <a:p>
             <a:fld id="{27584ACA-5F00-4545-A9F4-A7AB2BF4973D}" type="datetimeFigureOut">
               <a:rPr lang="es-CO" smtClean="0"/>
-              <a:t>20/04/2023</a:t>
+              <a:t>21/04/2023</a:t>
             </a:fld>
             <a:endParaRPr lang="es-CO"/>
           </a:p>
@@ -1979,7 +2056,7 @@
           <a:p>
             <a:fld id="{27584ACA-5F00-4545-A9F4-A7AB2BF4973D}" type="datetimeFigureOut">
               <a:rPr lang="es-CO" smtClean="0"/>
-              <a:t>20/04/2023</a:t>
+              <a:t>21/04/2023</a:t>
             </a:fld>
             <a:endParaRPr lang="es-CO"/>
           </a:p>
@@ -2293,7 +2370,7 @@
           <a:p>
             <a:fld id="{27584ACA-5F00-4545-A9F4-A7AB2BF4973D}" type="datetimeFigureOut">
               <a:rPr lang="es-CO" smtClean="0"/>
-              <a:t>20/04/2023</a:t>
+              <a:t>21/04/2023</a:t>
             </a:fld>
             <a:endParaRPr lang="es-CO"/>
           </a:p>
@@ -2686,7 +2763,7 @@
           <a:p>
             <a:fld id="{27584ACA-5F00-4545-A9F4-A7AB2BF4973D}" type="datetimeFigureOut">
               <a:rPr lang="es-CO" smtClean="0"/>
-              <a:t>20/04/2023</a:t>
+              <a:t>21/04/2023</a:t>
             </a:fld>
             <a:endParaRPr lang="es-CO"/>
           </a:p>
@@ -2856,7 +2933,7 @@
           <a:p>
             <a:fld id="{27584ACA-5F00-4545-A9F4-A7AB2BF4973D}" type="datetimeFigureOut">
               <a:rPr lang="es-CO" smtClean="0"/>
-              <a:t>20/04/2023</a:t>
+              <a:t>21/04/2023</a:t>
             </a:fld>
             <a:endParaRPr lang="es-CO"/>
           </a:p>
@@ -3036,7 +3113,7 @@
           <a:p>
             <a:fld id="{27584ACA-5F00-4545-A9F4-A7AB2BF4973D}" type="datetimeFigureOut">
               <a:rPr lang="es-CO" smtClean="0"/>
-              <a:t>20/04/2023</a:t>
+              <a:t>21/04/2023</a:t>
             </a:fld>
             <a:endParaRPr lang="es-CO"/>
           </a:p>
@@ -3206,7 +3283,7 @@
           <a:p>
             <a:fld id="{27584ACA-5F00-4545-A9F4-A7AB2BF4973D}" type="datetimeFigureOut">
               <a:rPr lang="es-CO" smtClean="0"/>
-              <a:t>20/04/2023</a:t>
+              <a:t>21/04/2023</a:t>
             </a:fld>
             <a:endParaRPr lang="es-CO"/>
           </a:p>
@@ -3453,7 +3530,7 @@
           <a:p>
             <a:fld id="{27584ACA-5F00-4545-A9F4-A7AB2BF4973D}" type="datetimeFigureOut">
               <a:rPr lang="es-CO" smtClean="0"/>
-              <a:t>20/04/2023</a:t>
+              <a:t>21/04/2023</a:t>
             </a:fld>
             <a:endParaRPr lang="es-CO"/>
           </a:p>
@@ -3685,7 +3762,7 @@
           <a:p>
             <a:fld id="{27584ACA-5F00-4545-A9F4-A7AB2BF4973D}" type="datetimeFigureOut">
               <a:rPr lang="es-CO" smtClean="0"/>
-              <a:t>20/04/2023</a:t>
+              <a:t>21/04/2023</a:t>
             </a:fld>
             <a:endParaRPr lang="es-CO"/>
           </a:p>
@@ -4059,7 +4136,7 @@
           <a:p>
             <a:fld id="{27584ACA-5F00-4545-A9F4-A7AB2BF4973D}" type="datetimeFigureOut">
               <a:rPr lang="es-CO" smtClean="0"/>
-              <a:t>20/04/2023</a:t>
+              <a:t>21/04/2023</a:t>
             </a:fld>
             <a:endParaRPr lang="es-CO"/>
           </a:p>
@@ -4182,7 +4259,7 @@
           <a:p>
             <a:fld id="{27584ACA-5F00-4545-A9F4-A7AB2BF4973D}" type="datetimeFigureOut">
               <a:rPr lang="es-CO" smtClean="0"/>
-              <a:t>20/04/2023</a:t>
+              <a:t>21/04/2023</a:t>
             </a:fld>
             <a:endParaRPr lang="es-CO"/>
           </a:p>
@@ -4277,7 +4354,7 @@
           <a:p>
             <a:fld id="{27584ACA-5F00-4545-A9F4-A7AB2BF4973D}" type="datetimeFigureOut">
               <a:rPr lang="es-CO" smtClean="0"/>
-              <a:t>20/04/2023</a:t>
+              <a:t>21/04/2023</a:t>
             </a:fld>
             <a:endParaRPr lang="es-CO"/>
           </a:p>
@@ -4532,7 +4609,7 @@
           <a:p>
             <a:fld id="{27584ACA-5F00-4545-A9F4-A7AB2BF4973D}" type="datetimeFigureOut">
               <a:rPr lang="es-CO" smtClean="0"/>
-              <a:t>20/04/2023</a:t>
+              <a:t>21/04/2023</a:t>
             </a:fld>
             <a:endParaRPr lang="es-CO"/>
           </a:p>
@@ -4837,7 +4914,7 @@
           <a:p>
             <a:fld id="{27584ACA-5F00-4545-A9F4-A7AB2BF4973D}" type="datetimeFigureOut">
               <a:rPr lang="es-CO" smtClean="0"/>
-              <a:t>20/04/2023</a:t>
+              <a:t>21/04/2023</a:t>
             </a:fld>
             <a:endParaRPr lang="es-CO"/>
           </a:p>
@@ -5539,7 +5616,7 @@
           <a:p>
             <a:fld id="{27584ACA-5F00-4545-A9F4-A7AB2BF4973D}" type="datetimeFigureOut">
               <a:rPr lang="es-CO" smtClean="0"/>
-              <a:t>20/04/2023</a:t>
+              <a:t>21/04/2023</a:t>
             </a:fld>
             <a:endParaRPr lang="es-CO"/>
           </a:p>
@@ -6119,10 +6196,10 @@
       </p:pic>
       <p:pic>
         <p:nvPicPr>
-          <p:cNvPr id="17" name="Imagen 16">
+          <p:cNvPr id="6" name="Imagen 5">
             <a:extLst>
               <a:ext uri="{FF2B5EF4-FFF2-40B4-BE49-F238E27FC236}">
-                <a16:creationId xmlns:a16="http://schemas.microsoft.com/office/drawing/2014/main" id="{6F96AD36-D31F-E59E-7388-49C2E8C1AF18}"/>
+                <a16:creationId xmlns:a16="http://schemas.microsoft.com/office/drawing/2014/main" id="{6C2E12ED-3B84-C114-6AB3-C540363F87DE}"/>
               </a:ext>
             </a:extLst>
           </p:cNvPr>
@@ -6139,38 +6216,12 @@
         </p:blipFill>
         <p:spPr>
           <a:xfrm>
-            <a:off x="253192" y="118515"/>
-            <a:ext cx="11685615" cy="5044060"/>
+            <a:off x="128982" y="1115795"/>
+            <a:ext cx="11934035" cy="2313205"/>
           </a:xfrm>
-          <a:prstGeom prst="roundRect">
-            <a:avLst>
-              <a:gd name="adj" fmla="val 4167"/>
-            </a:avLst>
+          <a:prstGeom prst="rect">
+            <a:avLst/>
           </a:prstGeom>
-          <a:solidFill>
-            <a:srgbClr val="FFFFFF"/>
-          </a:solidFill>
-          <a:ln w="76200" cap="sq">
-            <a:solidFill>
-              <a:srgbClr val="292929"/>
-            </a:solidFill>
-            <a:miter lim="800000"/>
-          </a:ln>
-          <a:effectLst>
-            <a:reflection blurRad="12700" stA="28000" endPos="28000" dist="5000" dir="5400000" sy="-100000" algn="bl" rotWithShape="0"/>
-          </a:effectLst>
-          <a:scene3d>
-            <a:camera prst="orthographicFront"/>
-            <a:lightRig rig="threePt" dir="t">
-              <a:rot lat="0" lon="0" rev="2700000"/>
-            </a:lightRig>
-          </a:scene3d>
-          <a:sp3d>
-            <a:bevelT h="38100"/>
-            <a:contourClr>
-              <a:srgbClr val="C0C0C0"/>
-            </a:contourClr>
-          </a:sp3d>
         </p:spPr>
       </p:pic>
     </p:spTree>
@@ -6205,10 +6256,10 @@
       </p:grpSpPr>
       <p:pic>
         <p:nvPicPr>
-          <p:cNvPr id="6" name="Imagen 5">
+          <p:cNvPr id="2" name="Imagen 1">
             <a:extLst>
               <a:ext uri="{FF2B5EF4-FFF2-40B4-BE49-F238E27FC236}">
-                <a16:creationId xmlns:a16="http://schemas.microsoft.com/office/drawing/2014/main" id="{C5D94F7E-5FA2-E9A3-04A6-9B39D00BB284}"/>
+                <a16:creationId xmlns:a16="http://schemas.microsoft.com/office/drawing/2014/main" id="{60946A7E-B466-92B4-263B-07BE76136063}"/>
               </a:ext>
             </a:extLst>
           </p:cNvPr>
@@ -6225,8 +6276,8 @@
         </p:blipFill>
         <p:spPr>
           <a:xfrm>
-            <a:off x="33526" y="118911"/>
-            <a:ext cx="12091799" cy="4243193"/>
+            <a:off x="287622" y="692202"/>
+            <a:ext cx="11766599" cy="4224572"/>
           </a:xfrm>
           <a:prstGeom prst="roundRect">
             <a:avLst>
@@ -6291,10 +6342,10 @@
       </p:grpSpPr>
       <p:pic>
         <p:nvPicPr>
-          <p:cNvPr id="4" name="Imagen 3">
+          <p:cNvPr id="5" name="Imagen 4">
             <a:extLst>
               <a:ext uri="{FF2B5EF4-FFF2-40B4-BE49-F238E27FC236}">
-                <a16:creationId xmlns:a16="http://schemas.microsoft.com/office/drawing/2014/main" id="{0945336E-737B-6177-0296-F2AF03F0485D}"/>
+                <a16:creationId xmlns:a16="http://schemas.microsoft.com/office/drawing/2014/main" id="{289CC638-756B-7C2B-5C76-EC70844EE65C}"/>
               </a:ext>
             </a:extLst>
           </p:cNvPr>
@@ -6311,36 +6362,40 @@
         </p:blipFill>
         <p:spPr>
           <a:xfrm>
-            <a:off x="66675" y="28575"/>
-            <a:ext cx="12003713" cy="5181366"/>
+            <a:off x="1059695" y="163720"/>
+            <a:ext cx="9388449" cy="6650577"/>
           </a:xfrm>
-          <a:prstGeom prst="roundRect">
-            <a:avLst>
-              <a:gd name="adj" fmla="val 4167"/>
-            </a:avLst>
+          <a:prstGeom prst="rect">
+            <a:avLst/>
           </a:prstGeom>
           <a:solidFill>
-            <a:srgbClr val="FFFFFF"/>
+            <a:srgbClr val="FFFFFF">
+              <a:shade val="85000"/>
+            </a:srgbClr>
           </a:solidFill>
-          <a:ln w="76200" cap="sq">
+          <a:ln w="88900" cap="sq">
             <a:solidFill>
-              <a:srgbClr val="292929"/>
+              <a:srgbClr val="FFFFFF"/>
             </a:solidFill>
             <a:miter lim="800000"/>
           </a:ln>
           <a:effectLst>
-            <a:reflection blurRad="12700" stA="28000" endPos="28000" dist="5000" dir="5400000" sy="-100000" algn="bl" rotWithShape="0"/>
+            <a:outerShdw blurRad="55000" dist="18000" dir="5400000" algn="tl" rotWithShape="0">
+              <a:srgbClr val="000000">
+                <a:alpha val="40000"/>
+              </a:srgbClr>
+            </a:outerShdw>
           </a:effectLst>
           <a:scene3d>
             <a:camera prst="orthographicFront"/>
-            <a:lightRig rig="threePt" dir="t">
-              <a:rot lat="0" lon="0" rev="2700000"/>
+            <a:lightRig rig="twoPt" dir="t">
+              <a:rot lat="0" lon="0" rev="7200000"/>
             </a:lightRig>
           </a:scene3d>
           <a:sp3d>
-            <a:bevelT h="38100"/>
+            <a:bevelT w="25400" h="19050"/>
             <a:contourClr>
-              <a:srgbClr val="C0C0C0"/>
+              <a:srgbClr val="FFFFFF"/>
             </a:contourClr>
           </a:sp3d>
         </p:spPr>

--- a/images/FELCITACIONES.pptx
+++ b/images/FELCITACIONES.pptx
@@ -116,6 +116,108 @@
 
 <file path=ppt/changesInfos/changesInfo1.xml><?xml version="1.0" encoding="utf-8"?>
 <pc:chgInfo xmlns:a="http://schemas.openxmlformats.org/drawingml/2006/main" xmlns:r="http://schemas.openxmlformats.org/officeDocument/2006/relationships" xmlns:ac="http://schemas.microsoft.com/office/drawing/2013/main/command" xmlns:pc="http://schemas.microsoft.com/office/powerpoint/2013/main/command">
+  <pc:docChgLst>
+    <pc:chgData name="Xavier Rafael Rojas" userId="fe6ce519-060c-49c6-98f6-6e40cb0c764e" providerId="ADAL" clId="{2634A93B-6593-45D4-8EB8-F506AE2C9700}"/>
+    <pc:docChg chg="undo custSel modSld">
+      <pc:chgData name="Xavier Rafael Rojas" userId="fe6ce519-060c-49c6-98f6-6e40cb0c764e" providerId="ADAL" clId="{2634A93B-6593-45D4-8EB8-F506AE2C9700}" dt="2023-04-25T17:37:39.897" v="24" actId="478"/>
+      <pc:docMkLst>
+        <pc:docMk/>
+      </pc:docMkLst>
+      <pc:sldChg chg="addSp delSp modSp mod">
+        <pc:chgData name="Xavier Rafael Rojas" userId="fe6ce519-060c-49c6-98f6-6e40cb0c764e" providerId="ADAL" clId="{2634A93B-6593-45D4-8EB8-F506AE2C9700}" dt="2023-04-25T17:34:40.065" v="5" actId="14100"/>
+        <pc:sldMkLst>
+          <pc:docMk/>
+          <pc:sldMk cId="3470047135" sldId="256"/>
+        </pc:sldMkLst>
+        <pc:graphicFrameChg chg="add del mod">
+          <ac:chgData name="Xavier Rafael Rojas" userId="fe6ce519-060c-49c6-98f6-6e40cb0c764e" providerId="ADAL" clId="{2634A93B-6593-45D4-8EB8-F506AE2C9700}" dt="2023-04-25T17:34:33.934" v="2"/>
+          <ac:graphicFrameMkLst>
+            <pc:docMk/>
+            <pc:sldMk cId="3470047135" sldId="256"/>
+            <ac:graphicFrameMk id="2" creationId="{9DC40D5A-0B7C-AE48-8E76-C167F7F2AFAA}"/>
+          </ac:graphicFrameMkLst>
+        </pc:graphicFrameChg>
+        <pc:picChg chg="add mod">
+          <ac:chgData name="Xavier Rafael Rojas" userId="fe6ce519-060c-49c6-98f6-6e40cb0c764e" providerId="ADAL" clId="{2634A93B-6593-45D4-8EB8-F506AE2C9700}" dt="2023-04-25T17:34:40.065" v="5" actId="14100"/>
+          <ac:picMkLst>
+            <pc:docMk/>
+            <pc:sldMk cId="3470047135" sldId="256"/>
+            <ac:picMk id="3" creationId="{DC750795-764B-B78F-1F74-D81F6260E916}"/>
+          </ac:picMkLst>
+        </pc:picChg>
+        <pc:picChg chg="add del mod">
+          <ac:chgData name="Xavier Rafael Rojas" userId="fe6ce519-060c-49c6-98f6-6e40cb0c764e" providerId="ADAL" clId="{2634A93B-6593-45D4-8EB8-F506AE2C9700}" dt="2023-04-25T17:34:33.934" v="2"/>
+          <ac:picMkLst>
+            <pc:docMk/>
+            <pc:sldMk cId="3470047135" sldId="256"/>
+            <ac:picMk id="5" creationId="{9DC53CEB-4126-41C6-A4E7-F4FE17609053}"/>
+          </ac:picMkLst>
+        </pc:picChg>
+        <pc:picChg chg="del">
+          <ac:chgData name="Xavier Rafael Rojas" userId="fe6ce519-060c-49c6-98f6-6e40cb0c764e" providerId="ADAL" clId="{2634A93B-6593-45D4-8EB8-F506AE2C9700}" dt="2023-04-25T17:34:31.928" v="0" actId="478"/>
+          <ac:picMkLst>
+            <pc:docMk/>
+            <pc:sldMk cId="3470047135" sldId="256"/>
+            <ac:picMk id="6" creationId="{6C2E12ED-3B84-C114-6AB3-C540363F87DE}"/>
+          </ac:picMkLst>
+        </pc:picChg>
+      </pc:sldChg>
+      <pc:sldChg chg="addSp delSp modSp mod">
+        <pc:chgData name="Xavier Rafael Rojas" userId="fe6ce519-060c-49c6-98f6-6e40cb0c764e" providerId="ADAL" clId="{2634A93B-6593-45D4-8EB8-F506AE2C9700}" dt="2023-04-25T17:37:39.897" v="24" actId="478"/>
+        <pc:sldMkLst>
+          <pc:docMk/>
+          <pc:sldMk cId="1076663984" sldId="257"/>
+        </pc:sldMkLst>
+        <pc:picChg chg="del">
+          <ac:chgData name="Xavier Rafael Rojas" userId="fe6ce519-060c-49c6-98f6-6e40cb0c764e" providerId="ADAL" clId="{2634A93B-6593-45D4-8EB8-F506AE2C9700}" dt="2023-04-25T17:34:51.520" v="6" actId="478"/>
+          <ac:picMkLst>
+            <pc:docMk/>
+            <pc:sldMk cId="1076663984" sldId="257"/>
+            <ac:picMk id="2" creationId="{60946A7E-B466-92B4-263B-07BE76136063}"/>
+          </ac:picMkLst>
+        </pc:picChg>
+        <pc:picChg chg="add del">
+          <ac:chgData name="Xavier Rafael Rojas" userId="fe6ce519-060c-49c6-98f6-6e40cb0c764e" providerId="ADAL" clId="{2634A93B-6593-45D4-8EB8-F506AE2C9700}" dt="2023-04-25T17:34:57.341" v="8" actId="478"/>
+          <ac:picMkLst>
+            <pc:docMk/>
+            <pc:sldMk cId="1076663984" sldId="257"/>
+            <ac:picMk id="3" creationId="{B16AE89D-3E50-CC87-F97C-65C75228393D}"/>
+          </ac:picMkLst>
+        </pc:picChg>
+        <pc:picChg chg="add del mod">
+          <ac:chgData name="Xavier Rafael Rojas" userId="fe6ce519-060c-49c6-98f6-6e40cb0c764e" providerId="ADAL" clId="{2634A93B-6593-45D4-8EB8-F506AE2C9700}" dt="2023-04-25T17:37:39.897" v="24" actId="478"/>
+          <ac:picMkLst>
+            <pc:docMk/>
+            <pc:sldMk cId="1076663984" sldId="257"/>
+            <ac:picMk id="4" creationId="{1BB8C7B7-CE7F-8BB9-B0A1-C8B01CC7C4FE}"/>
+          </ac:picMkLst>
+        </pc:picChg>
+      </pc:sldChg>
+      <pc:sldChg chg="addSp delSp modSp mod">
+        <pc:chgData name="Xavier Rafael Rojas" userId="fe6ce519-060c-49c6-98f6-6e40cb0c764e" providerId="ADAL" clId="{2634A93B-6593-45D4-8EB8-F506AE2C9700}" dt="2023-04-25T17:37:39.191" v="23" actId="478"/>
+        <pc:sldMkLst>
+          <pc:docMk/>
+          <pc:sldMk cId="3547895905" sldId="258"/>
+        </pc:sldMkLst>
+        <pc:picChg chg="add del mod">
+          <ac:chgData name="Xavier Rafael Rojas" userId="fe6ce519-060c-49c6-98f6-6e40cb0c764e" providerId="ADAL" clId="{2634A93B-6593-45D4-8EB8-F506AE2C9700}" dt="2023-04-25T17:37:39.191" v="23" actId="478"/>
+          <ac:picMkLst>
+            <pc:docMk/>
+            <pc:sldMk cId="3547895905" sldId="258"/>
+            <ac:picMk id="2" creationId="{1D903C63-3C9A-9594-9D09-5897591B2E9B}"/>
+          </ac:picMkLst>
+        </pc:picChg>
+        <pc:picChg chg="del">
+          <ac:chgData name="Xavier Rafael Rojas" userId="fe6ce519-060c-49c6-98f6-6e40cb0c764e" providerId="ADAL" clId="{2634A93B-6593-45D4-8EB8-F506AE2C9700}" dt="2023-04-25T17:35:40.879" v="15" actId="478"/>
+          <ac:picMkLst>
+            <pc:docMk/>
+            <pc:sldMk cId="3547895905" sldId="258"/>
+            <ac:picMk id="5" creationId="{289CC638-756B-7C2B-5C76-EC70844EE65C}"/>
+          </ac:picMkLst>
+        </pc:picChg>
+      </pc:sldChg>
+    </pc:docChg>
+  </pc:docChgLst>
   <pc:docChgLst>
     <pc:chgData name="Xavier Rafael Rojas" userId="fe6ce519-060c-49c6-98f6-6e40cb0c764e" providerId="ADAL" clId="{78D8964C-DA0F-4B66-BDC6-DD4845DC9DF7}"/>
     <pc:docChg chg="undo custSel addSld modSld">
@@ -1158,7 +1260,7 @@
           <a:p>
             <a:fld id="{27584ACA-5F00-4545-A9F4-A7AB2BF4973D}" type="datetimeFigureOut">
               <a:rPr lang="es-CO" smtClean="0"/>
-              <a:t>21/04/2023</a:t>
+              <a:t>25/04/2023</a:t>
             </a:fld>
             <a:endParaRPr lang="es-CO"/>
           </a:p>
@@ -1409,7 +1511,7 @@
           <a:p>
             <a:fld id="{27584ACA-5F00-4545-A9F4-A7AB2BF4973D}" type="datetimeFigureOut">
               <a:rPr lang="es-CO" smtClean="0"/>
-              <a:t>21/04/2023</a:t>
+              <a:t>25/04/2023</a:t>
             </a:fld>
             <a:endParaRPr lang="es-CO"/>
           </a:p>
@@ -1723,7 +1825,7 @@
           <a:p>
             <a:fld id="{27584ACA-5F00-4545-A9F4-A7AB2BF4973D}" type="datetimeFigureOut">
               <a:rPr lang="es-CO" smtClean="0"/>
-              <a:t>21/04/2023</a:t>
+              <a:t>25/04/2023</a:t>
             </a:fld>
             <a:endParaRPr lang="es-CO"/>
           </a:p>
@@ -2056,7 +2158,7 @@
           <a:p>
             <a:fld id="{27584ACA-5F00-4545-A9F4-A7AB2BF4973D}" type="datetimeFigureOut">
               <a:rPr lang="es-CO" smtClean="0"/>
-              <a:t>21/04/2023</a:t>
+              <a:t>25/04/2023</a:t>
             </a:fld>
             <a:endParaRPr lang="es-CO"/>
           </a:p>
@@ -2370,7 +2472,7 @@
           <a:p>
             <a:fld id="{27584ACA-5F00-4545-A9F4-A7AB2BF4973D}" type="datetimeFigureOut">
               <a:rPr lang="es-CO" smtClean="0"/>
-              <a:t>21/04/2023</a:t>
+              <a:t>25/04/2023</a:t>
             </a:fld>
             <a:endParaRPr lang="es-CO"/>
           </a:p>
@@ -2763,7 +2865,7 @@
           <a:p>
             <a:fld id="{27584ACA-5F00-4545-A9F4-A7AB2BF4973D}" type="datetimeFigureOut">
               <a:rPr lang="es-CO" smtClean="0"/>
-              <a:t>21/04/2023</a:t>
+              <a:t>25/04/2023</a:t>
             </a:fld>
             <a:endParaRPr lang="es-CO"/>
           </a:p>
@@ -2933,7 +3035,7 @@
           <a:p>
             <a:fld id="{27584ACA-5F00-4545-A9F4-A7AB2BF4973D}" type="datetimeFigureOut">
               <a:rPr lang="es-CO" smtClean="0"/>
-              <a:t>21/04/2023</a:t>
+              <a:t>25/04/2023</a:t>
             </a:fld>
             <a:endParaRPr lang="es-CO"/>
           </a:p>
@@ -3113,7 +3215,7 @@
           <a:p>
             <a:fld id="{27584ACA-5F00-4545-A9F4-A7AB2BF4973D}" type="datetimeFigureOut">
               <a:rPr lang="es-CO" smtClean="0"/>
-              <a:t>21/04/2023</a:t>
+              <a:t>25/04/2023</a:t>
             </a:fld>
             <a:endParaRPr lang="es-CO"/>
           </a:p>
@@ -3283,7 +3385,7 @@
           <a:p>
             <a:fld id="{27584ACA-5F00-4545-A9F4-A7AB2BF4973D}" type="datetimeFigureOut">
               <a:rPr lang="es-CO" smtClean="0"/>
-              <a:t>21/04/2023</a:t>
+              <a:t>25/04/2023</a:t>
             </a:fld>
             <a:endParaRPr lang="es-CO"/>
           </a:p>
@@ -3530,7 +3632,7 @@
           <a:p>
             <a:fld id="{27584ACA-5F00-4545-A9F4-A7AB2BF4973D}" type="datetimeFigureOut">
               <a:rPr lang="es-CO" smtClean="0"/>
-              <a:t>21/04/2023</a:t>
+              <a:t>25/04/2023</a:t>
             </a:fld>
             <a:endParaRPr lang="es-CO"/>
           </a:p>
@@ -3762,7 +3864,7 @@
           <a:p>
             <a:fld id="{27584ACA-5F00-4545-A9F4-A7AB2BF4973D}" type="datetimeFigureOut">
               <a:rPr lang="es-CO" smtClean="0"/>
-              <a:t>21/04/2023</a:t>
+              <a:t>25/04/2023</a:t>
             </a:fld>
             <a:endParaRPr lang="es-CO"/>
           </a:p>
@@ -4136,7 +4238,7 @@
           <a:p>
             <a:fld id="{27584ACA-5F00-4545-A9F4-A7AB2BF4973D}" type="datetimeFigureOut">
               <a:rPr lang="es-CO" smtClean="0"/>
-              <a:t>21/04/2023</a:t>
+              <a:t>25/04/2023</a:t>
             </a:fld>
             <a:endParaRPr lang="es-CO"/>
           </a:p>
@@ -4259,7 +4361,7 @@
           <a:p>
             <a:fld id="{27584ACA-5F00-4545-A9F4-A7AB2BF4973D}" type="datetimeFigureOut">
               <a:rPr lang="es-CO" smtClean="0"/>
-              <a:t>21/04/2023</a:t>
+              <a:t>25/04/2023</a:t>
             </a:fld>
             <a:endParaRPr lang="es-CO"/>
           </a:p>
@@ -4354,7 +4456,7 @@
           <a:p>
             <a:fld id="{27584ACA-5F00-4545-A9F4-A7AB2BF4973D}" type="datetimeFigureOut">
               <a:rPr lang="es-CO" smtClean="0"/>
-              <a:t>21/04/2023</a:t>
+              <a:t>25/04/2023</a:t>
             </a:fld>
             <a:endParaRPr lang="es-CO"/>
           </a:p>
@@ -4609,7 +4711,7 @@
           <a:p>
             <a:fld id="{27584ACA-5F00-4545-A9F4-A7AB2BF4973D}" type="datetimeFigureOut">
               <a:rPr lang="es-CO" smtClean="0"/>
-              <a:t>21/04/2023</a:t>
+              <a:t>25/04/2023</a:t>
             </a:fld>
             <a:endParaRPr lang="es-CO"/>
           </a:p>
@@ -4914,7 +5016,7 @@
           <a:p>
             <a:fld id="{27584ACA-5F00-4545-A9F4-A7AB2BF4973D}" type="datetimeFigureOut">
               <a:rPr lang="es-CO" smtClean="0"/>
-              <a:t>21/04/2023</a:t>
+              <a:t>25/04/2023</a:t>
             </a:fld>
             <a:endParaRPr lang="es-CO"/>
           </a:p>
@@ -5616,7 +5718,7 @@
           <a:p>
             <a:fld id="{27584ACA-5F00-4545-A9F4-A7AB2BF4973D}" type="datetimeFigureOut">
               <a:rPr lang="es-CO" smtClean="0"/>
-              <a:t>21/04/2023</a:t>
+              <a:t>25/04/2023</a:t>
             </a:fld>
             <a:endParaRPr lang="es-CO"/>
           </a:p>
@@ -6196,10 +6298,10 @@
       </p:pic>
       <p:pic>
         <p:nvPicPr>
-          <p:cNvPr id="6" name="Imagen 5">
+          <p:cNvPr id="3" name="Imagen 2">
             <a:extLst>
               <a:ext uri="{FF2B5EF4-FFF2-40B4-BE49-F238E27FC236}">
-                <a16:creationId xmlns:a16="http://schemas.microsoft.com/office/drawing/2014/main" id="{6C2E12ED-3B84-C114-6AB3-C540363F87DE}"/>
+                <a16:creationId xmlns:a16="http://schemas.microsoft.com/office/drawing/2014/main" id="{DC750795-764B-B78F-1F74-D81F6260E916}"/>
               </a:ext>
             </a:extLst>
           </p:cNvPr>
@@ -6216,8 +6318,8 @@
         </p:blipFill>
         <p:spPr>
           <a:xfrm>
-            <a:off x="128982" y="1115795"/>
-            <a:ext cx="11934035" cy="2313205"/>
+            <a:off x="120547" y="928255"/>
+            <a:ext cx="11888981" cy="2304472"/>
           </a:xfrm>
           <a:prstGeom prst="rect">
             <a:avLst/>
@@ -6256,10 +6358,10 @@
       </p:grpSpPr>
       <p:pic>
         <p:nvPicPr>
-          <p:cNvPr id="2" name="Imagen 1">
+          <p:cNvPr id="4" name="Imagen 3">
             <a:extLst>
               <a:ext uri="{FF2B5EF4-FFF2-40B4-BE49-F238E27FC236}">
-                <a16:creationId xmlns:a16="http://schemas.microsoft.com/office/drawing/2014/main" id="{60946A7E-B466-92B4-263B-07BE76136063}"/>
+                <a16:creationId xmlns:a16="http://schemas.microsoft.com/office/drawing/2014/main" id="{1BB8C7B7-CE7F-8BB9-B0A1-C8B01CC7C4FE}"/>
               </a:ext>
             </a:extLst>
           </p:cNvPr>
@@ -6276,38 +6378,22 @@
         </p:blipFill>
         <p:spPr>
           <a:xfrm>
-            <a:off x="287622" y="692202"/>
-            <a:ext cx="11766599" cy="4224572"/>
+            <a:off x="167097" y="862445"/>
+            <a:ext cx="11857806" cy="4910281"/>
           </a:xfrm>
-          <a:prstGeom prst="roundRect">
-            <a:avLst>
-              <a:gd name="adj" fmla="val 4167"/>
-            </a:avLst>
+          <a:prstGeom prst="rect">
+            <a:avLst/>
           </a:prstGeom>
-          <a:solidFill>
-            <a:srgbClr val="FFFFFF"/>
-          </a:solidFill>
-          <a:ln w="76200" cap="sq">
-            <a:solidFill>
-              <a:srgbClr val="292929"/>
-            </a:solidFill>
-            <a:miter lim="800000"/>
+          <a:ln>
+            <a:noFill/>
           </a:ln>
           <a:effectLst>
-            <a:reflection blurRad="12700" stA="28000" endPos="28000" dist="5000" dir="5400000" sy="-100000" algn="bl" rotWithShape="0"/>
+            <a:outerShdw blurRad="190500" algn="tl" rotWithShape="0">
+              <a:srgbClr val="000000">
+                <a:alpha val="70000"/>
+              </a:srgbClr>
+            </a:outerShdw>
           </a:effectLst>
-          <a:scene3d>
-            <a:camera prst="orthographicFront"/>
-            <a:lightRig rig="threePt" dir="t">
-              <a:rot lat="0" lon="0" rev="2700000"/>
-            </a:lightRig>
-          </a:scene3d>
-          <a:sp3d>
-            <a:bevelT h="38100"/>
-            <a:contourClr>
-              <a:srgbClr val="C0C0C0"/>
-            </a:contourClr>
-          </a:sp3d>
         </p:spPr>
       </p:pic>
     </p:spTree>
@@ -6342,10 +6428,10 @@
       </p:grpSpPr>
       <p:pic>
         <p:nvPicPr>
-          <p:cNvPr id="5" name="Imagen 4">
+          <p:cNvPr id="2" name="Imagen 1">
             <a:extLst>
               <a:ext uri="{FF2B5EF4-FFF2-40B4-BE49-F238E27FC236}">
-                <a16:creationId xmlns:a16="http://schemas.microsoft.com/office/drawing/2014/main" id="{289CC638-756B-7C2B-5C76-EC70844EE65C}"/>
+                <a16:creationId xmlns:a16="http://schemas.microsoft.com/office/drawing/2014/main" id="{1D903C63-3C9A-9594-9D09-5897591B2E9B}"/>
               </a:ext>
             </a:extLst>
           </p:cNvPr>
@@ -6362,42 +6448,22 @@
         </p:blipFill>
         <p:spPr>
           <a:xfrm>
-            <a:off x="1059695" y="163720"/>
-            <a:ext cx="9388449" cy="6650577"/>
+            <a:off x="701324" y="75190"/>
+            <a:ext cx="10789352" cy="6547283"/>
           </a:xfrm>
           <a:prstGeom prst="rect">
             <a:avLst/>
           </a:prstGeom>
-          <a:solidFill>
-            <a:srgbClr val="FFFFFF">
-              <a:shade val="85000"/>
-            </a:srgbClr>
-          </a:solidFill>
-          <a:ln w="88900" cap="sq">
-            <a:solidFill>
-              <a:srgbClr val="FFFFFF"/>
-            </a:solidFill>
-            <a:miter lim="800000"/>
+          <a:ln>
+            <a:noFill/>
           </a:ln>
           <a:effectLst>
-            <a:outerShdw blurRad="55000" dist="18000" dir="5400000" algn="tl" rotWithShape="0">
+            <a:outerShdw blurRad="190500" algn="tl" rotWithShape="0">
               <a:srgbClr val="000000">
-                <a:alpha val="40000"/>
+                <a:alpha val="70000"/>
               </a:srgbClr>
             </a:outerShdw>
           </a:effectLst>
-          <a:scene3d>
-            <a:camera prst="orthographicFront"/>
-            <a:lightRig rig="twoPt" dir="t">
-              <a:rot lat="0" lon="0" rev="7200000"/>
-            </a:lightRig>
-          </a:scene3d>
-          <a:sp3d>
-            <a:bevelT w="25400" h="19050"/>
-            <a:contourClr>
-              <a:srgbClr val="FFFFFF"/>
-            </a:contourClr>
-          </a:sp3d>
         </p:spPr>
       </p:pic>
     </p:spTree>
